--- a/WeShed.pptx
+++ b/WeShed.pptx
@@ -108,6 +108,11 @@
       </a:defRPr>
     </a:lvl9pPr>
   </p:defaultTextStyle>
+  <p:extLst>
+    <p:ext uri="{EFAFB233-063F-42B5-8137-9DF3F51BA10A}">
+      <p15:sldGuideLst xmlns:p15="http://schemas.microsoft.com/office/powerpoint/2012/main"/>
+    </p:ext>
+  </p:extLst>
 </p:presentation>
 </file>
 
@@ -258,7 +263,7 @@
           <a:p>
             <a:fld id="{1E53C0A3-4AF5-4D43-B99B-F6136F996E3D}" type="datetimeFigureOut">
               <a:rPr lang="en-US" smtClean="0"/>
-              <a:t>11/30/2019</a:t>
+              <a:t>12/2/2019</a:t>
             </a:fld>
             <a:endParaRPr lang="en-US"/>
           </a:p>
@@ -456,7 +461,7 @@
           <a:p>
             <a:fld id="{1E53C0A3-4AF5-4D43-B99B-F6136F996E3D}" type="datetimeFigureOut">
               <a:rPr lang="en-US" smtClean="0"/>
-              <a:t>11/30/2019</a:t>
+              <a:t>12/2/2019</a:t>
             </a:fld>
             <a:endParaRPr lang="en-US"/>
           </a:p>
@@ -664,7 +669,7 @@
           <a:p>
             <a:fld id="{1E53C0A3-4AF5-4D43-B99B-F6136F996E3D}" type="datetimeFigureOut">
               <a:rPr lang="en-US" smtClean="0"/>
-              <a:t>11/30/2019</a:t>
+              <a:t>12/2/2019</a:t>
             </a:fld>
             <a:endParaRPr lang="en-US"/>
           </a:p>
@@ -862,7 +867,7 @@
           <a:p>
             <a:fld id="{1E53C0A3-4AF5-4D43-B99B-F6136F996E3D}" type="datetimeFigureOut">
               <a:rPr lang="en-US" smtClean="0"/>
-              <a:t>11/30/2019</a:t>
+              <a:t>12/2/2019</a:t>
             </a:fld>
             <a:endParaRPr lang="en-US"/>
           </a:p>
@@ -1137,7 +1142,7 @@
           <a:p>
             <a:fld id="{1E53C0A3-4AF5-4D43-B99B-F6136F996E3D}" type="datetimeFigureOut">
               <a:rPr lang="en-US" smtClean="0"/>
-              <a:t>11/30/2019</a:t>
+              <a:t>12/2/2019</a:t>
             </a:fld>
             <a:endParaRPr lang="en-US"/>
           </a:p>
@@ -1402,7 +1407,7 @@
           <a:p>
             <a:fld id="{1E53C0A3-4AF5-4D43-B99B-F6136F996E3D}" type="datetimeFigureOut">
               <a:rPr lang="en-US" smtClean="0"/>
-              <a:t>11/30/2019</a:t>
+              <a:t>12/2/2019</a:t>
             </a:fld>
             <a:endParaRPr lang="en-US"/>
           </a:p>
@@ -1814,7 +1819,7 @@
           <a:p>
             <a:fld id="{1E53C0A3-4AF5-4D43-B99B-F6136F996E3D}" type="datetimeFigureOut">
               <a:rPr lang="en-US" smtClean="0"/>
-              <a:t>11/30/2019</a:t>
+              <a:t>12/2/2019</a:t>
             </a:fld>
             <a:endParaRPr lang="en-US"/>
           </a:p>
@@ -1955,7 +1960,7 @@
           <a:p>
             <a:fld id="{1E53C0A3-4AF5-4D43-B99B-F6136F996E3D}" type="datetimeFigureOut">
               <a:rPr lang="en-US" smtClean="0"/>
-              <a:t>11/30/2019</a:t>
+              <a:t>12/2/2019</a:t>
             </a:fld>
             <a:endParaRPr lang="en-US"/>
           </a:p>
@@ -2068,7 +2073,7 @@
           <a:p>
             <a:fld id="{1E53C0A3-4AF5-4D43-B99B-F6136F996E3D}" type="datetimeFigureOut">
               <a:rPr lang="en-US" smtClean="0"/>
-              <a:t>11/30/2019</a:t>
+              <a:t>12/2/2019</a:t>
             </a:fld>
             <a:endParaRPr lang="en-US"/>
           </a:p>
@@ -2379,7 +2384,7 @@
           <a:p>
             <a:fld id="{1E53C0A3-4AF5-4D43-B99B-F6136F996E3D}" type="datetimeFigureOut">
               <a:rPr lang="en-US" smtClean="0"/>
-              <a:t>11/30/2019</a:t>
+              <a:t>12/2/2019</a:t>
             </a:fld>
             <a:endParaRPr lang="en-US"/>
           </a:p>
@@ -2667,7 +2672,7 @@
           <a:p>
             <a:fld id="{1E53C0A3-4AF5-4D43-B99B-F6136F996E3D}" type="datetimeFigureOut">
               <a:rPr lang="en-US" smtClean="0"/>
-              <a:t>11/30/2019</a:t>
+              <a:t>12/2/2019</a:t>
             </a:fld>
             <a:endParaRPr lang="en-US"/>
           </a:p>
@@ -2908,7 +2913,7 @@
           <a:p>
             <a:fld id="{1E53C0A3-4AF5-4D43-B99B-F6136F996E3D}" type="datetimeFigureOut">
               <a:rPr lang="en-US" smtClean="0"/>
-              <a:t>11/30/2019</a:t>
+              <a:t>12/2/2019</a:t>
             </a:fld>
             <a:endParaRPr lang="en-US"/>
           </a:p>
@@ -3490,7 +3495,10 @@
             <a:pPr marL="0" indent="0">
               <a:buNone/>
             </a:pPr>
-            <a:endParaRPr lang="en-US" dirty="0"/>
+            <a:r>
+              <a:rPr lang="en-US" dirty="0"/>
+              <a:t>	Our project serves the purpose of allowing musicians to keep up to date with their practice while expanding their horizons with others. Backing tracks are accompanied by music to help the musician get a feel for the song.</a:t>
+            </a:r>
           </a:p>
         </p:txBody>
       </p:sp>
@@ -3584,7 +3592,7 @@
             </a:pPr>
             <a:r>
               <a:rPr lang="en-US" dirty="0"/>
-              <a:t>	For this increment the streaks, favorite songs, achievements, and </a:t>
+              <a:t>	For this increment streaks, favorite songs, suggested searching, searching for users, friendships, challenges, achievements, and </a:t>
             </a:r>
             <a:r>
               <a:rPr lang="en-US" dirty="0" err="1"/>
